--- a/Indian General LS Elections 2024 DA Presentation Deck.pptx
+++ b/Indian General LS Elections 2024 DA Presentation Deck.pptx
@@ -156,16 +156,32 @@
   <pc:docChgLst>
     <pc:chgData name="Shubhangi Rastogi" userId="07f49f5a-3b5d-4141-b4fe-ca2d472e8f54" providerId="ADAL" clId="{1E19A1F7-6A3F-4235-954C-0B589626DB44}"/>
     <pc:docChg chg="custSel modSld">
-      <pc:chgData name="Shubhangi Rastogi" userId="07f49f5a-3b5d-4141-b4fe-ca2d472e8f54" providerId="ADAL" clId="{1E19A1F7-6A3F-4235-954C-0B589626DB44}" dt="2025-06-07T20:30:51.454" v="52" actId="1076"/>
+      <pc:chgData name="Shubhangi Rastogi" userId="07f49f5a-3b5d-4141-b4fe-ca2d472e8f54" providerId="ADAL" clId="{1E19A1F7-6A3F-4235-954C-0B589626DB44}" dt="2025-06-08T14:11:25.292" v="54" actId="1076"/>
       <pc:docMkLst>
         <pc:docMk/>
       </pc:docMkLst>
       <pc:sldChg chg="modSp mod">
-        <pc:chgData name="Shubhangi Rastogi" userId="07f49f5a-3b5d-4141-b4fe-ca2d472e8f54" providerId="ADAL" clId="{1E19A1F7-6A3F-4235-954C-0B589626DB44}" dt="2025-06-07T17:36:23.074" v="21" actId="20577"/>
+        <pc:chgData name="Shubhangi Rastogi" userId="07f49f5a-3b5d-4141-b4fe-ca2d472e8f54" providerId="ADAL" clId="{1E19A1F7-6A3F-4235-954C-0B589626DB44}" dt="2025-06-08T14:11:25.292" v="54" actId="1076"/>
         <pc:sldMkLst>
           <pc:docMk/>
           <pc:sldMk cId="0" sldId="259"/>
         </pc:sldMkLst>
+        <pc:spChg chg="mod">
+          <ac:chgData name="Shubhangi Rastogi" userId="07f49f5a-3b5d-4141-b4fe-ca2d472e8f54" providerId="ADAL" clId="{1E19A1F7-6A3F-4235-954C-0B589626DB44}" dt="2025-06-08T14:11:18.431" v="53" actId="1076"/>
+          <ac:spMkLst>
+            <pc:docMk/>
+            <pc:sldMk cId="0" sldId="259"/>
+            <ac:spMk id="37" creationId="{C85E4264-0314-AC8D-77F0-1E200D85C0E3}"/>
+          </ac:spMkLst>
+        </pc:spChg>
+        <pc:spChg chg="mod">
+          <ac:chgData name="Shubhangi Rastogi" userId="07f49f5a-3b5d-4141-b4fe-ca2d472e8f54" providerId="ADAL" clId="{1E19A1F7-6A3F-4235-954C-0B589626DB44}" dt="2025-06-08T14:11:25.292" v="54" actId="1076"/>
+          <ac:spMkLst>
+            <pc:docMk/>
+            <pc:sldMk cId="0" sldId="259"/>
+            <ac:spMk id="38" creationId="{77DFE9FA-91F7-D6E5-3CDE-76EC318A845E}"/>
+          </ac:spMkLst>
+        </pc:spChg>
         <pc:graphicFrameChg chg="modGraphic">
           <ac:chgData name="Shubhangi Rastogi" userId="07f49f5a-3b5d-4141-b4fe-ca2d472e8f54" providerId="ADAL" clId="{1E19A1F7-6A3F-4235-954C-0B589626DB44}" dt="2025-06-07T17:36:04.484" v="4" actId="20577"/>
           <ac:graphicFrameMkLst>
@@ -317,7 +333,7 @@
           <a:p>
             <a:fld id="{2EF24314-99B6-47E5-A669-11DFFE7DE719}" type="datetimeFigureOut">
               <a:rPr lang="en-US" smtClean="0"/>
-              <a:t>6/7/2025</a:t>
+              <a:t>6/8/2025</a:t>
             </a:fld>
             <a:endParaRPr lang="en-US"/>
           </a:p>
@@ -1064,7 +1080,7 @@
             <a:fld id="{1D8BD707-D9CF-40AE-B4C6-C98DA3205C09}" type="datetimeFigureOut">
               <a:rPr lang="en-US" smtClean="0"/>
               <a:pPr/>
-              <a:t>6/7/2025</a:t>
+              <a:t>6/8/2025</a:t>
             </a:fld>
             <a:endParaRPr lang="en-US"/>
           </a:p>
@@ -1229,7 +1245,7 @@
             <a:fld id="{1D8BD707-D9CF-40AE-B4C6-C98DA3205C09}" type="datetimeFigureOut">
               <a:rPr lang="en-US" smtClean="0"/>
               <a:pPr/>
-              <a:t>6/7/2025</a:t>
+              <a:t>6/8/2025</a:t>
             </a:fld>
             <a:endParaRPr lang="en-US"/>
           </a:p>
@@ -1404,7 +1420,7 @@
             <a:fld id="{1D8BD707-D9CF-40AE-B4C6-C98DA3205C09}" type="datetimeFigureOut">
               <a:rPr lang="en-US" smtClean="0"/>
               <a:pPr/>
-              <a:t>6/7/2025</a:t>
+              <a:t>6/8/2025</a:t>
             </a:fld>
             <a:endParaRPr lang="en-US"/>
           </a:p>
@@ -1569,7 +1585,7 @@
             <a:fld id="{1D8BD707-D9CF-40AE-B4C6-C98DA3205C09}" type="datetimeFigureOut">
               <a:rPr lang="en-US" smtClean="0"/>
               <a:pPr/>
-              <a:t>6/7/2025</a:t>
+              <a:t>6/8/2025</a:t>
             </a:fld>
             <a:endParaRPr lang="en-US"/>
           </a:p>
@@ -1811,7 +1827,7 @@
             <a:fld id="{1D8BD707-D9CF-40AE-B4C6-C98DA3205C09}" type="datetimeFigureOut">
               <a:rPr lang="en-US" smtClean="0"/>
               <a:pPr/>
-              <a:t>6/7/2025</a:t>
+              <a:t>6/8/2025</a:t>
             </a:fld>
             <a:endParaRPr lang="en-US"/>
           </a:p>
@@ -2093,7 +2109,7 @@
             <a:fld id="{1D8BD707-D9CF-40AE-B4C6-C98DA3205C09}" type="datetimeFigureOut">
               <a:rPr lang="en-US" smtClean="0"/>
               <a:pPr/>
-              <a:t>6/7/2025</a:t>
+              <a:t>6/8/2025</a:t>
             </a:fld>
             <a:endParaRPr lang="en-US"/>
           </a:p>
@@ -2509,7 +2525,7 @@
             <a:fld id="{1D8BD707-D9CF-40AE-B4C6-C98DA3205C09}" type="datetimeFigureOut">
               <a:rPr lang="en-US" smtClean="0"/>
               <a:pPr/>
-              <a:t>6/7/2025</a:t>
+              <a:t>6/8/2025</a:t>
             </a:fld>
             <a:endParaRPr lang="en-US"/>
           </a:p>
@@ -2623,7 +2639,7 @@
             <a:fld id="{1D8BD707-D9CF-40AE-B4C6-C98DA3205C09}" type="datetimeFigureOut">
               <a:rPr lang="en-US" smtClean="0"/>
               <a:pPr/>
-              <a:t>6/7/2025</a:t>
+              <a:t>6/8/2025</a:t>
             </a:fld>
             <a:endParaRPr lang="en-US"/>
           </a:p>
@@ -2715,7 +2731,7 @@
             <a:fld id="{1D8BD707-D9CF-40AE-B4C6-C98DA3205C09}" type="datetimeFigureOut">
               <a:rPr lang="en-US" smtClean="0"/>
               <a:pPr/>
-              <a:t>6/7/2025</a:t>
+              <a:t>6/8/2025</a:t>
             </a:fld>
             <a:endParaRPr lang="en-US"/>
           </a:p>
@@ -2987,7 +3003,7 @@
             <a:fld id="{1D8BD707-D9CF-40AE-B4C6-C98DA3205C09}" type="datetimeFigureOut">
               <a:rPr lang="en-US" smtClean="0"/>
               <a:pPr/>
-              <a:t>6/7/2025</a:t>
+              <a:t>6/8/2025</a:t>
             </a:fld>
             <a:endParaRPr lang="en-US"/>
           </a:p>
@@ -3236,7 +3252,7 @@
             <a:fld id="{1D8BD707-D9CF-40AE-B4C6-C98DA3205C09}" type="datetimeFigureOut">
               <a:rPr lang="en-US" smtClean="0"/>
               <a:pPr/>
-              <a:t>6/7/2025</a:t>
+              <a:t>6/8/2025</a:t>
             </a:fld>
             <a:endParaRPr lang="en-US"/>
           </a:p>
@@ -3444,7 +3460,7 @@
             <a:fld id="{1D8BD707-D9CF-40AE-B4C6-C98DA3205C09}" type="datetimeFigureOut">
               <a:rPr lang="en-US" smtClean="0"/>
               <a:pPr/>
-              <a:t>6/7/2025</a:t>
+              <a:t>6/8/2025</a:t>
             </a:fld>
             <a:endParaRPr lang="en-US"/>
           </a:p>
@@ -6527,7 +6543,7 @@
         </p:nvSpPr>
         <p:spPr>
           <a:xfrm>
-            <a:off x="990600" y="571500"/>
+            <a:off x="685800" y="185556"/>
             <a:ext cx="12954000" cy="1119153"/>
           </a:xfrm>
           <a:prstGeom prst="rect">
@@ -6599,7 +6615,7 @@
         </p:nvSpPr>
         <p:spPr>
           <a:xfrm>
-            <a:off x="990600" y="1915970"/>
+            <a:off x="636876" y="1351372"/>
             <a:ext cx="11887200" cy="646331"/>
           </a:xfrm>
           <a:prstGeom prst="rect">
